--- a/AutoWatering.pptx
+++ b/AutoWatering.pptx
@@ -350,7 +350,7 @@
           <a:p>
             <a:fld id="{DE4D980C-18E0-484B-B9EF-89CDEF724729}" type="datetimeFigureOut">
               <a:rPr lang="zh-TW" altLang="en-US" smtClean="0"/>
-              <a:t>2021/1/15</a:t>
+              <a:t>2021/1/16</a:t>
             </a:fld>
             <a:endParaRPr lang="zh-TW" altLang="en-US"/>
           </a:p>
@@ -558,7 +558,7 @@
           <a:p>
             <a:fld id="{DE4D980C-18E0-484B-B9EF-89CDEF724729}" type="datetimeFigureOut">
               <a:rPr lang="zh-TW" altLang="en-US" smtClean="0"/>
-              <a:t>2021/1/15</a:t>
+              <a:t>2021/1/16</a:t>
             </a:fld>
             <a:endParaRPr lang="zh-TW" altLang="en-US"/>
           </a:p>
@@ -814,7 +814,7 @@
           <a:p>
             <a:fld id="{DE4D980C-18E0-484B-B9EF-89CDEF724729}" type="datetimeFigureOut">
               <a:rPr lang="zh-TW" altLang="en-US" smtClean="0"/>
-              <a:t>2021/1/15</a:t>
+              <a:t>2021/1/16</a:t>
             </a:fld>
             <a:endParaRPr lang="zh-TW" altLang="en-US"/>
           </a:p>
@@ -988,7 +988,7 @@
           <a:p>
             <a:fld id="{DE4D980C-18E0-484B-B9EF-89CDEF724729}" type="datetimeFigureOut">
               <a:rPr lang="zh-TW" altLang="en-US" smtClean="0"/>
-              <a:t>2021/1/15</a:t>
+              <a:t>2021/1/16</a:t>
             </a:fld>
             <a:endParaRPr lang="zh-TW" altLang="en-US"/>
           </a:p>
@@ -1331,7 +1331,7 @@
           <a:p>
             <a:fld id="{DE4D980C-18E0-484B-B9EF-89CDEF724729}" type="datetimeFigureOut">
               <a:rPr lang="zh-TW" altLang="en-US" smtClean="0"/>
-              <a:t>2021/1/15</a:t>
+              <a:t>2021/1/16</a:t>
             </a:fld>
             <a:endParaRPr lang="zh-TW" altLang="en-US"/>
           </a:p>
@@ -1606,7 +1606,7 @@
           <a:p>
             <a:fld id="{DE4D980C-18E0-484B-B9EF-89CDEF724729}" type="datetimeFigureOut">
               <a:rPr lang="zh-TW" altLang="en-US" smtClean="0"/>
-              <a:t>2021/1/15</a:t>
+              <a:t>2021/1/16</a:t>
             </a:fld>
             <a:endParaRPr lang="zh-TW" altLang="en-US"/>
           </a:p>
@@ -1985,7 +1985,7 @@
           <a:p>
             <a:fld id="{DE4D980C-18E0-484B-B9EF-89CDEF724729}" type="datetimeFigureOut">
               <a:rPr lang="zh-TW" altLang="en-US" smtClean="0"/>
-              <a:t>2021/1/15</a:t>
+              <a:t>2021/1/16</a:t>
             </a:fld>
             <a:endParaRPr lang="zh-TW" altLang="en-US"/>
           </a:p>
@@ -2103,7 +2103,7 @@
           <a:p>
             <a:fld id="{DE4D980C-18E0-484B-B9EF-89CDEF724729}" type="datetimeFigureOut">
               <a:rPr lang="zh-TW" altLang="en-US" smtClean="0"/>
-              <a:t>2021/1/15</a:t>
+              <a:t>2021/1/16</a:t>
             </a:fld>
             <a:endParaRPr lang="zh-TW" altLang="en-US"/>
           </a:p>
@@ -2274,7 +2274,7 @@
           <a:p>
             <a:fld id="{DE4D980C-18E0-484B-B9EF-89CDEF724729}" type="datetimeFigureOut">
               <a:rPr lang="zh-TW" altLang="en-US" smtClean="0"/>
-              <a:t>2021/1/15</a:t>
+              <a:t>2021/1/16</a:t>
             </a:fld>
             <a:endParaRPr lang="zh-TW" altLang="en-US"/>
           </a:p>
@@ -2628,7 +2628,7 @@
           <a:p>
             <a:fld id="{DE4D980C-18E0-484B-B9EF-89CDEF724729}" type="datetimeFigureOut">
               <a:rPr lang="zh-TW" altLang="en-US" smtClean="0"/>
-              <a:t>2021/1/15</a:t>
+              <a:t>2021/1/16</a:t>
             </a:fld>
             <a:endParaRPr lang="zh-TW" altLang="en-US"/>
           </a:p>
@@ -3010,7 +3010,7 @@
           <a:p>
             <a:fld id="{DE4D980C-18E0-484B-B9EF-89CDEF724729}" type="datetimeFigureOut">
               <a:rPr lang="zh-TW" altLang="en-US" smtClean="0"/>
-              <a:t>2021/1/15</a:t>
+              <a:t>2021/1/16</a:t>
             </a:fld>
             <a:endParaRPr lang="zh-TW" altLang="en-US"/>
           </a:p>
@@ -3297,7 +3297,7 @@
           <a:p>
             <a:fld id="{DE4D980C-18E0-484B-B9EF-89CDEF724729}" type="datetimeFigureOut">
               <a:rPr lang="zh-TW" altLang="en-US" smtClean="0"/>
-              <a:t>2021/1/15</a:t>
+              <a:t>2021/1/16</a:t>
             </a:fld>
             <a:endParaRPr lang="zh-TW" altLang="en-US"/>
           </a:p>
@@ -4110,13 +4110,13 @@
               </a:ext>
             </a:extLst>
           </a:blip>
-          <a:srcRect l="6092" t="6232" r="8643" b="4922"/>
+          <a:srcRect l="6248" t="13081" r="8642" b="4922"/>
           <a:stretch/>
         </p:blipFill>
         <p:spPr>
           <a:xfrm>
-            <a:off x="643192" y="1444090"/>
-            <a:ext cx="5451627" cy="3649778"/>
+            <a:off x="653144" y="1725432"/>
+            <a:ext cx="5441675" cy="3368435"/>
           </a:xfrm>
           <a:prstGeom prst="rect">
             <a:avLst/>
@@ -6447,8 +6447,8 @@
         </p:nvSpPr>
         <p:spPr>
           <a:xfrm>
-            <a:off x="3497277" y="1846633"/>
-            <a:ext cx="1401893" cy="369332"/>
+            <a:off x="2870431" y="1740437"/>
+            <a:ext cx="2299516" cy="369332"/>
           </a:xfrm>
           <a:prstGeom prst="rect">
             <a:avLst/>
@@ -6466,6 +6466,22 @@
             <a:r>
               <a:rPr lang="en-US" altLang="zh-TW" dirty="0"/>
               <a:t>Circuit board</a:t>
+            </a:r>
+            <a:r>
+              <a:rPr lang="zh-TW" altLang="en-US" dirty="0"/>
+              <a:t> </a:t>
+            </a:r>
+            <a:r>
+              <a:rPr lang="en-US" altLang="zh-TW" dirty="0"/>
+              <a:t>&amp;</a:t>
+            </a:r>
+            <a:r>
+              <a:rPr lang="zh-TW" altLang="en-US" dirty="0"/>
+              <a:t> </a:t>
+            </a:r>
+            <a:r>
+              <a:rPr lang="en-US" altLang="zh-TW" dirty="0"/>
+              <a:t>STM32</a:t>
             </a:r>
             <a:endParaRPr lang="zh-TW" altLang="en-US" dirty="0"/>
           </a:p>
